--- a/开源框架/ARouter.pptx
+++ b/开源框架/ARouter.pptx
@@ -2786,7 +2786,7 @@
             <a:pPr algn="ctr"/>
             <a:r>
               <a:rPr lang="zh-CN" altLang="en-US"/>
-              <a:t>生成模块名称和跳转路径名称与目标类的映射</a:t>
+              <a:t>生成模块和跳转路径名称与目标类的映射</a:t>
             </a:r>
             <a:endParaRPr lang="zh-CN" altLang="en-US"/>
           </a:p>
